--- a/projects/project4/Lab4.pptx
+++ b/projects/project4/Lab4.pptx
@@ -161,7 +161,7 @@
 <file path=ppt/charts/chart1.xml><?xml version="1.0" encoding="utf-8"?>
 <c:chartSpace xmlns:c="http://schemas.openxmlformats.org/drawingml/2006/chart" xmlns:a="http://schemas.openxmlformats.org/drawingml/2006/main" xmlns:r="http://schemas.openxmlformats.org/officeDocument/2006/relationships" xmlns:c16r2="http://schemas.microsoft.com/office/drawing/2015/06/chart">
   <c:date1904 val="0"/>
-  <c:lang val="zh-CN"/>
+  <c:lang val="en-US"/>
   <c:roundedCorners val="0"/>
   <mc:AlternateContent xmlns:mc="http://schemas.openxmlformats.org/markup-compatibility/2006">
     <mc:Choice xmlns:c14="http://schemas.microsoft.com/office/drawing/2007/8/2/chart" Requires="c14">
@@ -219,7 +219,7 @@
                     <a:cs typeface="+mn-cs"/>
                   </a:defRPr>
                 </a:pPr>
-                <a:endParaRPr lang="zh-CN"/>
+                <a:endParaRPr lang="en-US"/>
               </a:p>
             </c:txPr>
             <c:dLblPos val="outEnd"/>
@@ -232,7 +232,6 @@
             <c:showLeaderLines val="0"/>
             <c:extLst>
               <c:ext xmlns:c15="http://schemas.microsoft.com/office/drawing/2012/chart" uri="{CE6537A1-D6FC-4f65-9D91-7224C49458BB}">
-                <c15:layout/>
                 <c15:showLeaderLines val="1"/>
                 <c15:leaderLines>
                   <c:spPr>
@@ -346,7 +345,6 @@
               </a:p>
             </c:rich>
           </c:tx>
-          <c:layout/>
           <c:overlay val="0"/>
           <c:spPr>
             <a:noFill/>
@@ -372,7 +370,7 @@
                   <a:cs typeface="+mn-cs"/>
                 </a:defRPr>
               </a:pPr>
-              <a:endParaRPr lang="zh-CN"/>
+              <a:endParaRPr lang="en-US"/>
             </a:p>
           </c:txPr>
         </c:title>
@@ -410,7 +408,7 @@
                 <a:cs typeface="+mn-cs"/>
               </a:defRPr>
             </a:pPr>
-            <a:endParaRPr lang="zh-CN"/>
+            <a:endParaRPr lang="en-US"/>
           </a:p>
         </c:txPr>
         <c:crossAx val="376839200"/>
@@ -468,7 +466,6 @@
               </a:p>
             </c:rich>
           </c:tx>
-          <c:layout/>
           <c:overlay val="0"/>
           <c:spPr>
             <a:noFill/>
@@ -494,7 +491,7 @@
                   <a:cs typeface="+mn-cs"/>
                 </a:defRPr>
               </a:pPr>
-              <a:endParaRPr lang="zh-CN"/>
+              <a:endParaRPr lang="en-US"/>
             </a:p>
           </c:txPr>
         </c:title>
@@ -526,7 +523,7 @@
                 <a:cs typeface="+mn-cs"/>
               </a:defRPr>
             </a:pPr>
-            <a:endParaRPr lang="zh-CN"/>
+            <a:endParaRPr lang="en-US"/>
           </a:p>
         </c:txPr>
         <c:crossAx val="1511631712"/>
@@ -559,7 +556,7 @@
       <a:pPr>
         <a:defRPr/>
       </a:pPr>
-      <a:endParaRPr lang="zh-CN"/>
+      <a:endParaRPr lang="en-US"/>
     </a:p>
   </c:txPr>
   <c:externalData r:id="rId3">
@@ -9657,7 +9654,7 @@
             </a:pPr>
             <a:r>
               <a:rPr lang="en-US" altLang="zh-CN" sz="3200" dirty="0"/>
-              <a:t>where bid = 12345;</a:t>
+              <a:t>where bid = 222;</a:t>
             </a:r>
           </a:p>
         </p:txBody>
@@ -11327,7 +11324,7 @@
                 <a:latin typeface="Times New Roman" panose="02020603050405020304" pitchFamily="18" charset="0"/>
                 <a:ea typeface="DengXian" panose="02010600030101010101" pitchFamily="2" charset="-122"/>
               </a:rPr>
-              <a:t> of Assignment 4</a:t>
+              <a:t> of Assignment 2</a:t>
             </a:r>
             <a:endParaRPr lang="en-US" sz="2400" b="1" dirty="0">
               <a:solidFill>
@@ -11793,10 +11790,6 @@
                 <a:spcPct val="150000"/>
               </a:lnSpc>
             </a:pPr>
-            <a:r>
-              <a:rPr lang="en-US" altLang="zh-CN" sz="3200" dirty="0"/>
-              <a:t/>
-            </a:r>
             <a:br>
               <a:rPr lang="en-US" altLang="zh-CN" sz="3200" dirty="0"/>
             </a:br>
@@ -12550,10 +12543,6 @@
             <a:endParaRPr lang="en-US" sz="3200" dirty="0"/>
           </a:p>
           <a:p>
-            <a:r>
-              <a:rPr lang="en-US" sz="3200" dirty="0"/>
-              <a:t/>
-            </a:r>
             <a:br>
               <a:rPr lang="en-US" sz="3200" dirty="0"/>
             </a:br>
@@ -12565,10 +12554,6 @@
                 <a:spcPct val="150000"/>
               </a:lnSpc>
             </a:pPr>
-            <a:r>
-              <a:rPr lang="en-US" altLang="zh-CN" sz="3200" dirty="0"/>
-              <a:t/>
-            </a:r>
             <a:br>
               <a:rPr lang="en-US" altLang="zh-CN" sz="3200" dirty="0"/>
             </a:br>
@@ -12815,20 +12800,12 @@
                 <a:spcPct val="150000"/>
               </a:lnSpc>
             </a:pPr>
-            <a:r>
-              <a:rPr lang="en-US" sz="3200" dirty="0"/>
-              <a:t/>
-            </a:r>
             <a:br>
               <a:rPr lang="en-US" sz="3200" dirty="0"/>
             </a:br>
             <a:endParaRPr lang="en-US" sz="3200" dirty="0"/>
           </a:p>
           <a:p>
-            <a:r>
-              <a:rPr lang="en-US" sz="3200" dirty="0"/>
-              <a:t/>
-            </a:r>
             <a:br>
               <a:rPr lang="en-US" sz="3200" dirty="0"/>
             </a:br>
@@ -12840,10 +12817,6 @@
                 <a:spcPct val="150000"/>
               </a:lnSpc>
             </a:pPr>
-            <a:r>
-              <a:rPr lang="en-US" altLang="zh-CN" sz="3200" dirty="0"/>
-              <a:t/>
-            </a:r>
             <a:br>
               <a:rPr lang="en-US" altLang="zh-CN" sz="3200" dirty="0"/>
             </a:br>
@@ -13032,7 +13005,7 @@
                 <a:latin typeface="Times New Roman" panose="02020603050405020304" pitchFamily="18" charset="0"/>
                 <a:ea typeface="DengXian" panose="02010600030101010101" pitchFamily="2" charset="-122"/>
               </a:rPr>
-              <a:t>Result of Assignment 4</a:t>
+              <a:t>Result of Assignment 2</a:t>
             </a:r>
             <a:endParaRPr lang="en-US" sz="3000" b="1" dirty="0">
               <a:solidFill>
@@ -16641,7 +16614,7 @@
                   <a:srgbClr val="C00000"/>
                 </a:solidFill>
               </a:rPr>
-              <a:t>Beijing time, November, 19th ,23:59:59</a:t>
+              <a:t>Beijing time, November, 21th ,23:59:59</a:t>
             </a:r>
             <a:endParaRPr lang="zh-CN" altLang="en-US" sz="3600" dirty="0">
               <a:solidFill>
@@ -17607,10 +17580,6 @@
                 <a:spcPct val="150000"/>
               </a:lnSpc>
             </a:pPr>
-            <a:r>
-              <a:rPr lang="en-US" altLang="zh-CN" sz="3200" dirty="0"/>
-              <a:t/>
-            </a:r>
             <a:br>
               <a:rPr lang="en-US" altLang="zh-CN" sz="3200" dirty="0"/>
             </a:br>
